--- a/Coronavirus COVID-19 Presentation.pptx
+++ b/Coronavirus COVID-19 Presentation.pptx
@@ -5,19 +5,18 @@
     <p:sldMasterId id="2147483648" r:id="rId1"/>
   </p:sldMasterIdLst>
   <p:notesMasterIdLst>
-    <p:notesMasterId r:id="rId9"/>
+    <p:notesMasterId r:id="rId8"/>
   </p:notesMasterIdLst>
   <p:handoutMasterIdLst>
-    <p:handoutMasterId r:id="rId10"/>
+    <p:handoutMasterId r:id="rId9"/>
   </p:handoutMasterIdLst>
   <p:sldIdLst>
     <p:sldId id="256" r:id="rId2"/>
     <p:sldId id="257" r:id="rId3"/>
     <p:sldId id="259" r:id="rId4"/>
-    <p:sldId id="258" r:id="rId5"/>
+    <p:sldId id="260" r:id="rId5"/>
     <p:sldId id="261" r:id="rId6"/>
     <p:sldId id="262" r:id="rId7"/>
-    <p:sldId id="260" r:id="rId8"/>
   </p:sldIdLst>
   <p:sldSz cx="12192000" cy="6858000"/>
   <p:notesSz cx="6858000" cy="9144000"/>
@@ -1089,9 +1088,12 @@
             <a:rPr lang="en-US" dirty="0" err="1"/>
             <a:t>Lihour</a:t>
           </a:r>
+          <a:endParaRPr lang="en-US" dirty="0"/>
+        </a:p>
+        <a:p>
           <a:r>
             <a:rPr lang="en-US" dirty="0"/>
-            <a:t> – HTML Body, Trello Board</a:t>
+            <a:t>HTML Body and Trello Board</a:t>
           </a:r>
         </a:p>
       </dgm:t>
@@ -1127,7 +1129,13 @@
         <a:p>
           <a:r>
             <a:rPr lang="en-US" dirty="0"/>
-            <a:t>Yvette – Resources and Hygiene Pages</a:t>
+            <a:t>Yvette</a:t>
+          </a:r>
+        </a:p>
+        <a:p>
+          <a:r>
+            <a:rPr lang="en-US" dirty="0"/>
+            <a:t>Resources and Hygiene Pages</a:t>
           </a:r>
         </a:p>
       </dgm:t>
@@ -1163,7 +1171,7 @@
         <a:p>
           <a:r>
             <a:rPr lang="en-US" dirty="0"/>
-            <a:t>Challenges / Success</a:t>
+            <a:t>Challenges</a:t>
           </a:r>
         </a:p>
       </dgm:t>
@@ -1198,16 +1206,26 @@
         <a:lstStyle/>
         <a:p>
           <a:r>
-            <a:rPr lang="en-US" dirty="0"/>
-            <a:t>	</a:t>
+            <a:rPr lang="en-GB" dirty="0"/>
+            <a:t>Interactive different people with different skills</a:t>
+          </a:r>
+        </a:p>
+        <a:p>
+          <a:r>
+            <a:rPr lang="en-GB" dirty="0"/>
+            <a:t>1</a:t>
           </a:r>
           <a:r>
-            <a:rPr lang="en-US" dirty="0" err="1"/>
-            <a:t>Github</a:t>
+            <a:rPr lang="en-GB" baseline="30000" dirty="0"/>
+            <a:t>st</a:t>
+          </a:r>
+          <a:r>
+            <a:rPr lang="en-GB" dirty="0"/>
+            <a:t> project  </a:t>
           </a:r>
           <a:r>
             <a:rPr lang="en-US" dirty="0"/>
-            <a:t> Branch merging/ approval	</a:t>
+            <a:t>	</a:t>
           </a:r>
         </a:p>
       </dgm:t>
@@ -1241,7 +1259,14 @@
         <a:bodyPr/>
         <a:lstStyle/>
         <a:p>
-          <a:endParaRPr lang="en-US" dirty="0"/>
+          <a:r>
+            <a:rPr lang="en-US" dirty="0" err="1"/>
+            <a:t>Github</a:t>
+          </a:r>
+          <a:r>
+            <a:rPr lang="en-US" dirty="0"/>
+            <a:t> Branch merging/approval</a:t>
+          </a:r>
         </a:p>
       </dgm:t>
     </dgm:pt>
@@ -1303,7 +1328,7 @@
         </a:p>
       </dgm:t>
     </dgm:pt>
-    <dgm:pt modelId="{9706922A-5EFE-4849-A172-C3230E4B582E}">
+    <dgm:pt modelId="{0053EC8D-6CCB-4716-9698-8073228D884E}">
       <dgm:prSet/>
       <dgm:spPr/>
       <dgm:t>
@@ -1314,33 +1339,136 @@
             <a:rPr lang="en-AU" dirty="0" err="1"/>
             <a:t>RapidAPI</a:t>
           </a:r>
+          <a:r>
+            <a:rPr lang="en-AU" dirty="0"/>
+            <a:t>, </a:t>
+          </a:r>
+          <a:r>
+            <a:rPr lang="en-AU" dirty="0" err="1"/>
+            <a:t>Chart.JS</a:t>
+          </a:r>
+          <a:endParaRPr lang="en-AU" dirty="0"/>
+        </a:p>
+        <a:p>
+          <a:r>
+            <a:rPr lang="en-AU" dirty="0" err="1"/>
+            <a:t>GoogleAPI</a:t>
+          </a:r>
           <a:endParaRPr lang="en-AU" dirty="0"/>
         </a:p>
       </dgm:t>
     </dgm:pt>
-    <dgm:pt modelId="{480E57E6-F867-48FC-922C-3360BD699F7A}" type="parTrans" cxnId="{8475D5B9-6EBC-406D-9D4E-5813E3DE1DDE}">
+    <dgm:pt modelId="{81E2E23A-567A-46C8-B4CF-E6FB59507F21}" type="parTrans" cxnId="{9CE76819-519E-4FC1-9FA9-73AB39E2D155}">
       <dgm:prSet/>
       <dgm:spPr/>
       <dgm:t>
         <a:bodyPr/>
         <a:lstStyle/>
         <a:p>
-          <a:endParaRPr lang="en-AU"/>
+          <a:endParaRPr lang="en-GB"/>
         </a:p>
       </dgm:t>
     </dgm:pt>
-    <dgm:pt modelId="{CD428441-12A3-4158-AC0D-3FF3CB60DA09}" type="sibTrans" cxnId="{8475D5B9-6EBC-406D-9D4E-5813E3DE1DDE}">
+    <dgm:pt modelId="{E469B0DB-C388-4035-88D2-4ABB22471D2A}" type="sibTrans" cxnId="{9CE76819-519E-4FC1-9FA9-73AB39E2D155}">
       <dgm:prSet/>
       <dgm:spPr/>
       <dgm:t>
         <a:bodyPr/>
         <a:lstStyle/>
         <a:p>
-          <a:endParaRPr lang="en-AU"/>
+          <a:endParaRPr lang="en-GB"/>
         </a:p>
       </dgm:t>
     </dgm:pt>
-    <dgm:pt modelId="{0053EC8D-6CCB-4716-9698-8073228D884E}">
+    <dgm:pt modelId="{26622187-448A-4A09-9AF5-EF28FAC98498}">
+      <dgm:prSet/>
+      <dgm:spPr/>
+      <dgm:t>
+        <a:bodyPr/>
+        <a:lstStyle/>
+        <a:p>
+          <a:r>
+            <a:rPr lang="en-AU" dirty="0"/>
+            <a:t>Lucas</a:t>
+          </a:r>
+        </a:p>
+        <a:p>
+          <a:r>
+            <a:rPr lang="en-AU" dirty="0" err="1"/>
+            <a:t>Github</a:t>
+          </a:r>
+          <a:r>
+            <a:rPr lang="en-AU" dirty="0"/>
+            <a:t> Project Hosting, APIs and JS</a:t>
+          </a:r>
+        </a:p>
+      </dgm:t>
+    </dgm:pt>
+    <dgm:pt modelId="{CBF84F28-33ED-49AD-9BE3-B8BF70F94D95}" type="parTrans" cxnId="{4C28DE02-C0B3-49C4-A8A1-E14B99FB20A0}">
+      <dgm:prSet/>
+      <dgm:spPr/>
+      <dgm:t>
+        <a:bodyPr/>
+        <a:lstStyle/>
+        <a:p>
+          <a:endParaRPr lang="en-GB"/>
+        </a:p>
+      </dgm:t>
+    </dgm:pt>
+    <dgm:pt modelId="{588D8CB3-EFA7-4384-B675-CE1886988BD2}" type="sibTrans" cxnId="{4C28DE02-C0B3-49C4-A8A1-E14B99FB20A0}">
+      <dgm:prSet/>
+      <dgm:spPr/>
+      <dgm:t>
+        <a:bodyPr/>
+        <a:lstStyle/>
+        <a:p>
+          <a:endParaRPr lang="en-GB"/>
+        </a:p>
+      </dgm:t>
+    </dgm:pt>
+    <dgm:pt modelId="{FBB2B073-671C-458F-8407-942A18B5CD16}">
+      <dgm:prSet/>
+      <dgm:spPr/>
+      <dgm:t>
+        <a:bodyPr/>
+        <a:lstStyle/>
+        <a:p>
+          <a:r>
+            <a:rPr lang="en-AU" dirty="0"/>
+            <a:t>Louise</a:t>
+          </a:r>
+        </a:p>
+        <a:p>
+          <a:r>
+            <a:rPr lang="en-AU" dirty="0"/>
+            <a:t>APIs and JS</a:t>
+          </a:r>
+        </a:p>
+      </dgm:t>
+    </dgm:pt>
+    <dgm:pt modelId="{3DD6220F-647A-4CA7-B015-CA78086117F6}" type="parTrans" cxnId="{AB72A298-E515-4A65-B29C-40E8D5D86517}">
+      <dgm:prSet/>
+      <dgm:spPr/>
+      <dgm:t>
+        <a:bodyPr/>
+        <a:lstStyle/>
+        <a:p>
+          <a:endParaRPr lang="en-GB"/>
+        </a:p>
+      </dgm:t>
+    </dgm:pt>
+    <dgm:pt modelId="{CFD6ABBE-C34C-4818-9DF1-041295CE38D4}" type="sibTrans" cxnId="{AB72A298-E515-4A65-B29C-40E8D5D86517}">
+      <dgm:prSet/>
+      <dgm:spPr/>
+      <dgm:t>
+        <a:bodyPr/>
+        <a:lstStyle/>
+        <a:p>
+          <a:endParaRPr lang="en-GB"/>
+        </a:p>
+      </dgm:t>
+    </dgm:pt>
+    <dgm:pt modelId="{85201D5B-A40D-9744-9243-01216DFDC27D}">
       <dgm:prSet/>
       <dgm:spPr/>
       <dgm:t>
@@ -1354,78 +1482,27 @@
         </a:p>
       </dgm:t>
     </dgm:pt>
-    <dgm:pt modelId="{81E2E23A-567A-46C8-B4CF-E6FB59507F21}" type="parTrans" cxnId="{9CE76819-519E-4FC1-9FA9-73AB39E2D155}">
-      <dgm:prSet/>
-      <dgm:spPr/>
-    </dgm:pt>
-    <dgm:pt modelId="{E469B0DB-C388-4035-88D2-4ABB22471D2A}" type="sibTrans" cxnId="{9CE76819-519E-4FC1-9FA9-73AB39E2D155}">
-      <dgm:prSet/>
-      <dgm:spPr/>
-    </dgm:pt>
-    <dgm:pt modelId="{26622187-448A-4A09-9AF5-EF28FAC98498}">
+    <dgm:pt modelId="{1F0F08D3-A4EC-1349-BD09-AB3E5849EB37}" type="parTrans" cxnId="{8267E179-0DF9-E440-BA4C-73B6DA810B6C}">
       <dgm:prSet/>
       <dgm:spPr/>
       <dgm:t>
         <a:bodyPr/>
         <a:lstStyle/>
         <a:p>
-          <a:r>
-            <a:rPr lang="en-AU" dirty="0"/>
-            <a:t>Lucas - </a:t>
-          </a:r>
-          <a:r>
-            <a:rPr lang="en-AU" dirty="0" err="1"/>
-            <a:t>Github</a:t>
-          </a:r>
-          <a:r>
-            <a:rPr lang="en-AU" dirty="0"/>
-            <a:t> Project Hosting, </a:t>
-          </a:r>
-          <a:r>
-            <a:rPr lang="en-AU" dirty="0" err="1"/>
-            <a:t>Javascript</a:t>
-          </a:r>
-          <a:r>
-            <a:rPr lang="en-AU" dirty="0"/>
-            <a:t>, APIs</a:t>
-          </a:r>
+          <a:endParaRPr lang="en-GB"/>
         </a:p>
       </dgm:t>
     </dgm:pt>
-    <dgm:pt modelId="{CBF84F28-33ED-49AD-9BE3-B8BF70F94D95}" type="parTrans" cxnId="{4C28DE02-C0B3-49C4-A8A1-E14B99FB20A0}">
-      <dgm:prSet/>
-      <dgm:spPr/>
-    </dgm:pt>
-    <dgm:pt modelId="{588D8CB3-EFA7-4384-B675-CE1886988BD2}" type="sibTrans" cxnId="{4C28DE02-C0B3-49C4-A8A1-E14B99FB20A0}">
-      <dgm:prSet/>
-      <dgm:spPr/>
-    </dgm:pt>
-    <dgm:pt modelId="{FBB2B073-671C-458F-8407-942A18B5CD16}">
+    <dgm:pt modelId="{AF79E349-5C74-BF4F-A23D-305F96BBEF47}" type="sibTrans" cxnId="{8267E179-0DF9-E440-BA4C-73B6DA810B6C}">
       <dgm:prSet/>
       <dgm:spPr/>
       <dgm:t>
         <a:bodyPr/>
         <a:lstStyle/>
         <a:p>
-          <a:r>
-            <a:rPr lang="en-AU" dirty="0"/>
-            <a:t>Louise – API and </a:t>
-          </a:r>
-          <a:r>
-            <a:rPr lang="en-AU" dirty="0" err="1"/>
-            <a:t>Javascript</a:t>
-          </a:r>
-          <a:endParaRPr lang="en-AU" dirty="0"/>
+          <a:endParaRPr lang="en-GB"/>
         </a:p>
       </dgm:t>
-    </dgm:pt>
-    <dgm:pt modelId="{3DD6220F-647A-4CA7-B015-CA78086117F6}" type="parTrans" cxnId="{AB72A298-E515-4A65-B29C-40E8D5D86517}">
-      <dgm:prSet/>
-      <dgm:spPr/>
-    </dgm:pt>
-    <dgm:pt modelId="{CFD6ABBE-C34C-4818-9DF1-041295CE38D4}" type="sibTrans" cxnId="{AB72A298-E515-4A65-B29C-40E8D5D86517}">
-      <dgm:prSet/>
-      <dgm:spPr/>
     </dgm:pt>
     <dgm:pt modelId="{31D3AE5D-DA06-4E2D-9D68-F5531DFE7C2B}" type="pres">
       <dgm:prSet presAssocID="{CD5204CD-6958-4A55-82AA-4AD73B3B6A19}" presName="Name0" presStyleCnt="0">
@@ -1565,16 +1642,16 @@
       </dgm:prSet>
       <dgm:spPr/>
     </dgm:pt>
-    <dgm:pt modelId="{A692D0D5-FF53-4DCB-8CD1-FEF274A44F7A}" type="pres">
-      <dgm:prSet presAssocID="{9706922A-5EFE-4849-A172-C3230E4B582E}" presName="childTextArrow" presStyleLbl="fgAccFollowNode1" presStyleIdx="9" presStyleCnt="11" custLinFactNeighborX="-1266" custLinFactNeighborY="-4466">
+    <dgm:pt modelId="{E30F312F-F146-4DCA-BFE7-89A6122168ED}" type="pres">
+      <dgm:prSet presAssocID="{0053EC8D-6CCB-4716-9698-8073228D884E}" presName="childTextArrow" presStyleLbl="fgAccFollowNode1" presStyleIdx="9" presStyleCnt="11">
         <dgm:presLayoutVars>
           <dgm:bulletEnabled val="1"/>
         </dgm:presLayoutVars>
       </dgm:prSet>
       <dgm:spPr/>
     </dgm:pt>
-    <dgm:pt modelId="{E30F312F-F146-4DCA-BFE7-89A6122168ED}" type="pres">
-      <dgm:prSet presAssocID="{0053EC8D-6CCB-4716-9698-8073228D884E}" presName="childTextArrow" presStyleLbl="fgAccFollowNode1" presStyleIdx="10" presStyleCnt="11">
+    <dgm:pt modelId="{C5034386-0A7B-9448-AC3D-A5DD1641BE47}" type="pres">
+      <dgm:prSet presAssocID="{85201D5B-A40D-9744-9243-01216DFDC27D}" presName="childTextArrow" presStyleLbl="fgAccFollowNode1" presStyleIdx="10" presStyleCnt="11">
         <dgm:presLayoutVars>
           <dgm:bulletEnabled val="1"/>
         </dgm:presLayoutVars>
@@ -1588,28 +1665,28 @@
     <dgm:cxn modelId="{9316510D-13B4-4805-A422-3ADE472E3CED}" type="presOf" srcId="{17ACD041-408C-4E7D-B463-7267D32756A1}" destId="{C4F2ADBF-C592-483D-A6FF-5DB9D2A90309}" srcOrd="0" destOrd="0" presId="urn:microsoft.com/office/officeart/2005/8/layout/process4"/>
     <dgm:cxn modelId="{EF7A2011-FCAC-41A8-A305-634BF780B59D}" srcId="{DB6AA457-F75F-415D-BDD5-92045774FE4B}" destId="{3FE03ED9-3066-4E28-8291-0B1764DC85D6}" srcOrd="1" destOrd="0" parTransId="{70F79093-990B-4C69-A0BC-6E28D692D24F}" sibTransId="{2D17DCF5-1F10-4F99-AFA5-9D17F12D0A73}"/>
     <dgm:cxn modelId="{1D511413-BA69-4C30-A06E-819D3DD30080}" type="presOf" srcId="{743FE7B1-011B-42E6-8768-1EB3E95741FA}" destId="{59FFE57C-E5F2-4FBD-AA4D-8DB27381892F}" srcOrd="0" destOrd="0" presId="urn:microsoft.com/office/officeart/2005/8/layout/process4"/>
-    <dgm:cxn modelId="{9CE76819-519E-4FC1-9FA9-73AB39E2D155}" srcId="{C712D637-7FF1-401C-9304-F85D1B95B226}" destId="{0053EC8D-6CCB-4716-9698-8073228D884E}" srcOrd="4" destOrd="0" parTransId="{81E2E23A-567A-46C8-B4CF-E6FB59507F21}" sibTransId="{E469B0DB-C388-4035-88D2-4ABB22471D2A}"/>
+    <dgm:cxn modelId="{9CE76819-519E-4FC1-9FA9-73AB39E2D155}" srcId="{C712D637-7FF1-401C-9304-F85D1B95B226}" destId="{0053EC8D-6CCB-4716-9698-8073228D884E}" srcOrd="3" destOrd="0" parTransId="{81E2E23A-567A-46C8-B4CF-E6FB59507F21}" sibTransId="{E469B0DB-C388-4035-88D2-4ABB22471D2A}"/>
     <dgm:cxn modelId="{0ED8DE1E-44AE-4D6E-B272-36A837D116F5}" type="presOf" srcId="{DB6AA457-F75F-415D-BDD5-92045774FE4B}" destId="{80AD606B-F25E-46DF-B405-18F7D2EAE74A}" srcOrd="1" destOrd="0" presId="urn:microsoft.com/office/officeart/2005/8/layout/process4"/>
     <dgm:cxn modelId="{0270D332-9F2D-4AF6-B61F-1BAAC6FF3EA3}" type="presOf" srcId="{26622187-448A-4A09-9AF5-EF28FAC98498}" destId="{0C4442CA-3D94-4E71-B130-972882505242}" srcOrd="0" destOrd="0" presId="urn:microsoft.com/office/officeart/2005/8/layout/process4"/>
     <dgm:cxn modelId="{E182D335-78B2-4F8F-B9B7-99F46C61BBE6}" type="presOf" srcId="{0053EC8D-6CCB-4716-9698-8073228D884E}" destId="{E30F312F-F146-4DCA-BFE7-89A6122168ED}" srcOrd="0" destOrd="0" presId="urn:microsoft.com/office/officeart/2005/8/layout/process4"/>
     <dgm:cxn modelId="{12BF3A38-AED9-4F68-8887-EFB36D15D597}" type="presOf" srcId="{FBB2B073-671C-458F-8407-942A18B5CD16}" destId="{2D01FE59-332F-46B5-8EE6-2058FA78D6D8}" srcOrd="0" destOrd="0" presId="urn:microsoft.com/office/officeart/2005/8/layout/process4"/>
     <dgm:cxn modelId="{6D29C741-1B1E-4EBC-A0C7-F287A8ED285A}" srcId="{C712D637-7FF1-401C-9304-F85D1B95B226}" destId="{743FE7B1-011B-42E6-8768-1EB3E95741FA}" srcOrd="0" destOrd="0" parTransId="{921AFB12-2D70-40FB-8AB1-299E0FF2C5A6}" sibTransId="{FFAF77DD-A644-4C36-8908-6204BB0D9268}"/>
     <dgm:cxn modelId="{ACB89342-4025-4932-B65B-FFD3F9769F67}" srcId="{C712D637-7FF1-401C-9304-F85D1B95B226}" destId="{CEE4F093-CB94-42A3-B252-A5DCB41566A3}" srcOrd="2" destOrd="0" parTransId="{97BA3B4D-AA29-4D59-B090-481E1940BFD9}" sibTransId="{45EAD945-9485-48CB-BC06-1A292207D7DA}"/>
-    <dgm:cxn modelId="{9653D664-EC18-40D7-9F5E-3B27A70DCA4D}" srcId="{CD5204CD-6958-4A55-82AA-4AD73B3B6A19}" destId="{C712D637-7FF1-401C-9304-F85D1B95B226}" srcOrd="0" destOrd="0" parTransId="{05E1DD5C-7FEF-48F0-9651-C74D082ACBA9}" sibTransId="{F14B97BF-E90F-4D5A-A42B-6364BCB81249}"/>
     <dgm:cxn modelId="{2F493247-DD71-42E2-BA13-315F9C6D9D25}" type="presOf" srcId="{C712D637-7FF1-401C-9304-F85D1B95B226}" destId="{A48265CE-F3A3-46DB-9DD2-97590B4DBB84}" srcOrd="1" destOrd="0" presId="urn:microsoft.com/office/officeart/2005/8/layout/process4"/>
     <dgm:cxn modelId="{F9232B4D-645E-4C93-A5D6-A89B30504327}" srcId="{DB6AA457-F75F-415D-BDD5-92045774FE4B}" destId="{99C943DF-AAA4-4E2C-A283-FA2BF761F447}" srcOrd="0" destOrd="0" parTransId="{20F107AF-35DA-4D25-AB35-B8AD821D3FE7}" sibTransId="{4802CB64-7B32-458C-A9FF-C35C0A51E69A}"/>
     <dgm:cxn modelId="{93F76B4F-907D-4630-B1A9-C3BE3C102DFF}" srcId="{CD5204CD-6958-4A55-82AA-4AD73B3B6A19}" destId="{DB6AA457-F75F-415D-BDD5-92045774FE4B}" srcOrd="1" destOrd="0" parTransId="{195DBB62-3C1E-4BED-ADB6-6E31CA6ABD63}" sibTransId="{C684833D-85CC-4010-A138-ABC65E139C69}"/>
+    <dgm:cxn modelId="{9653D664-EC18-40D7-9F5E-3B27A70DCA4D}" srcId="{CD5204CD-6958-4A55-82AA-4AD73B3B6A19}" destId="{C712D637-7FF1-401C-9304-F85D1B95B226}" srcOrd="0" destOrd="0" parTransId="{05E1DD5C-7FEF-48F0-9651-C74D082ACBA9}" sibTransId="{F14B97BF-E90F-4D5A-A42B-6364BCB81249}"/>
+    <dgm:cxn modelId="{8267E179-0DF9-E440-BA4C-73B6DA810B6C}" srcId="{C712D637-7FF1-401C-9304-F85D1B95B226}" destId="{85201D5B-A40D-9744-9243-01216DFDC27D}" srcOrd="4" destOrd="0" parTransId="{1F0F08D3-A4EC-1349-BD09-AB3E5849EB37}" sibTransId="{AF79E349-5C74-BF4F-A23D-305F96BBEF47}"/>
     <dgm:cxn modelId="{8C9BD688-12E5-4F5A-8BDA-E772A4740AB3}" type="presOf" srcId="{C712D637-7FF1-401C-9304-F85D1B95B226}" destId="{859CA2CA-8A33-4975-9F01-7A3C8BB729DE}" srcOrd="0" destOrd="0" presId="urn:microsoft.com/office/officeart/2005/8/layout/process4"/>
     <dgm:cxn modelId="{6E6CA696-8B54-476F-8D51-CE9ECC050E3A}" type="presOf" srcId="{DA33CDF4-5B94-4B92-9E0A-4DFD4CBFAF2D}" destId="{3EC7D028-ECEA-492B-A6F1-68E9B57B69C6}" srcOrd="0" destOrd="0" presId="urn:microsoft.com/office/officeart/2005/8/layout/process4"/>
     <dgm:cxn modelId="{AB72A298-E515-4A65-B29C-40E8D5D86517}" srcId="{DB6AA457-F75F-415D-BDD5-92045774FE4B}" destId="{FBB2B073-671C-458F-8407-942A18B5CD16}" srcOrd="3" destOrd="0" parTransId="{3DD6220F-647A-4CA7-B015-CA78086117F6}" sibTransId="{CFD6ABBE-C34C-4818-9DF1-041295CE38D4}"/>
-    <dgm:cxn modelId="{B8C8FA9B-2E4A-483C-A498-A4863AA83CF1}" type="presOf" srcId="{9706922A-5EFE-4849-A172-C3230E4B582E}" destId="{A692D0D5-FF53-4DCB-8CD1-FEF274A44F7A}" srcOrd="0" destOrd="0" presId="urn:microsoft.com/office/officeart/2005/8/layout/process4"/>
     <dgm:cxn modelId="{4BC4F29C-6AF5-4F17-9CDA-1468FA88B1A3}" type="presOf" srcId="{B5387FF0-0982-441E-9F8E-19335142671C}" destId="{0F0AC827-ACAE-4C23-875D-A4B53006A73F}" srcOrd="0" destOrd="0" presId="urn:microsoft.com/office/officeart/2005/8/layout/process4"/>
+    <dgm:cxn modelId="{723B4FA6-857C-AC4C-B02C-620F79B16F9D}" type="presOf" srcId="{85201D5B-A40D-9744-9243-01216DFDC27D}" destId="{C5034386-0A7B-9448-AC3D-A5DD1641BE47}" srcOrd="0" destOrd="0" presId="urn:microsoft.com/office/officeart/2005/8/layout/process4"/>
     <dgm:cxn modelId="{88A87FA6-C1EB-4109-9B9E-2FE10DE80F14}" srcId="{C712D637-7FF1-401C-9304-F85D1B95B226}" destId="{DA33CDF4-5B94-4B92-9E0A-4DFD4CBFAF2D}" srcOrd="1" destOrd="0" parTransId="{B7ECB8E0-4CD3-4804-BE8C-5260A5083C57}" sibTransId="{D3EF4DE2-351E-4A5C-980A-1BBDC899AAC2}"/>
     <dgm:cxn modelId="{C5225FAC-9385-411A-BFDD-CA9618BF9F59}" type="presOf" srcId="{C3DC95A2-4D92-42C5-966E-8600E4BA31BD}" destId="{588D9B7D-EC68-4FB0-96F2-2E47AC868059}" srcOrd="0" destOrd="0" presId="urn:microsoft.com/office/officeart/2005/8/layout/process4"/>
     <dgm:cxn modelId="{0CE79BAC-C717-4253-9B80-C8A96B03C6F6}" type="presOf" srcId="{DB6AA457-F75F-415D-BDD5-92045774FE4B}" destId="{7371425A-4D37-4FA7-A21E-1529F4324E45}" srcOrd="0" destOrd="0" presId="urn:microsoft.com/office/officeart/2005/8/layout/process4"/>
     <dgm:cxn modelId="{0203F2AF-F4DC-42DB-872C-0270CF20114A}" type="presOf" srcId="{C3DC95A2-4D92-42C5-966E-8600E4BA31BD}" destId="{B752F9F5-2482-4D52-A33E-BE0263F4B0EA}" srcOrd="1" destOrd="0" presId="urn:microsoft.com/office/officeart/2005/8/layout/process4"/>
     <dgm:cxn modelId="{8F9C94B8-2722-4DFB-8419-922357272B6B}" type="presOf" srcId="{CD5204CD-6958-4A55-82AA-4AD73B3B6A19}" destId="{31D3AE5D-DA06-4E2D-9D68-F5531DFE7C2B}" srcOrd="0" destOrd="0" presId="urn:microsoft.com/office/officeart/2005/8/layout/process4"/>
-    <dgm:cxn modelId="{8475D5B9-6EBC-406D-9D4E-5813E3DE1DDE}" srcId="{C712D637-7FF1-401C-9304-F85D1B95B226}" destId="{9706922A-5EFE-4849-A172-C3230E4B582E}" srcOrd="3" destOrd="0" parTransId="{480E57E6-F867-48FC-922C-3360BD699F7A}" sibTransId="{CD428441-12A3-4158-AC0D-3FF3CB60DA09}"/>
     <dgm:cxn modelId="{475DCDBB-49D7-4466-968D-3F0CC3924852}" type="presOf" srcId="{99C943DF-AAA4-4E2C-A283-FA2BF761F447}" destId="{A8E0F749-66B2-490B-99E9-CC106B163B16}" srcOrd="0" destOrd="0" presId="urn:microsoft.com/office/officeart/2005/8/layout/process4"/>
     <dgm:cxn modelId="{7F70C7BE-72E8-441E-B7CF-522ADEA91ECB}" srcId="{C3DC95A2-4D92-42C5-966E-8600E4BA31BD}" destId="{B5387FF0-0982-441E-9F8E-19335142671C}" srcOrd="1" destOrd="0" parTransId="{FE9534D2-E5E4-4494-A37E-5724362DB3AC}" sibTransId="{0DB486FB-DB2E-4894-89D1-AA4679580390}"/>
     <dgm:cxn modelId="{CAE3D8D7-871D-4B8C-B4F6-79D747E55EE8}" type="presOf" srcId="{3FE03ED9-3066-4E28-8291-0B1764DC85D6}" destId="{A6EE397C-6C28-4128-BFFE-CFF44F70153F}" srcOrd="0" destOrd="0" presId="urn:microsoft.com/office/officeart/2005/8/layout/process4"/>
@@ -1638,8 +1715,8 @@
     <dgm:cxn modelId="{C675B826-3900-4575-89A0-DB78CA5B441C}" type="presParOf" srcId="{DB89CC08-BF2F-4B2E-B88D-22F7BE6ECA5F}" destId="{59FFE57C-E5F2-4FBD-AA4D-8DB27381892F}" srcOrd="0" destOrd="0" presId="urn:microsoft.com/office/officeart/2005/8/layout/process4"/>
     <dgm:cxn modelId="{5D529EFA-23A6-4C03-8BAF-B0DDF673418B}" type="presParOf" srcId="{DB89CC08-BF2F-4B2E-B88D-22F7BE6ECA5F}" destId="{3EC7D028-ECEA-492B-A6F1-68E9B57B69C6}" srcOrd="1" destOrd="0" presId="urn:microsoft.com/office/officeart/2005/8/layout/process4"/>
     <dgm:cxn modelId="{3751F259-36A9-421A-9D19-175FB73C34E0}" type="presParOf" srcId="{DB89CC08-BF2F-4B2E-B88D-22F7BE6ECA5F}" destId="{6A9A5ABB-2EC4-421B-81C7-9D645979F606}" srcOrd="2" destOrd="0" presId="urn:microsoft.com/office/officeart/2005/8/layout/process4"/>
-    <dgm:cxn modelId="{EC6FE4B0-D8D9-419C-8FFA-1E45D8318DBF}" type="presParOf" srcId="{DB89CC08-BF2F-4B2E-B88D-22F7BE6ECA5F}" destId="{A692D0D5-FF53-4DCB-8CD1-FEF274A44F7A}" srcOrd="3" destOrd="0" presId="urn:microsoft.com/office/officeart/2005/8/layout/process4"/>
-    <dgm:cxn modelId="{D921C0E1-3DCA-414C-821E-1E6680021558}" type="presParOf" srcId="{DB89CC08-BF2F-4B2E-B88D-22F7BE6ECA5F}" destId="{E30F312F-F146-4DCA-BFE7-89A6122168ED}" srcOrd="4" destOrd="0" presId="urn:microsoft.com/office/officeart/2005/8/layout/process4"/>
+    <dgm:cxn modelId="{D921C0E1-3DCA-414C-821E-1E6680021558}" type="presParOf" srcId="{DB89CC08-BF2F-4B2E-B88D-22F7BE6ECA5F}" destId="{E30F312F-F146-4DCA-BFE7-89A6122168ED}" srcOrd="3" destOrd="0" presId="urn:microsoft.com/office/officeart/2005/8/layout/process4"/>
+    <dgm:cxn modelId="{B0709CCE-559A-F343-BA4A-B560B2BFB285}" type="presParOf" srcId="{DB89CC08-BF2F-4B2E-B88D-22F7BE6ECA5F}" destId="{C5034386-0A7B-9448-AC3D-A5DD1641BE47}" srcOrd="4" destOrd="0" presId="urn:microsoft.com/office/officeart/2005/8/layout/process4"/>
   </dgm:cxnLst>
   <dgm:bg/>
   <dgm:whole/>
@@ -1728,7 +1805,7 @@
           </a:pPr>
           <a:r>
             <a:rPr lang="en-US" sz="2200" kern="1200" dirty="0"/>
-            <a:t>Challenges / Success</a:t>
+            <a:t>Challenges</a:t>
           </a:r>
         </a:p>
       </dsp:txBody>
@@ -1789,12 +1866,12 @@
         <a:fontRef idx="minor"/>
       </dsp:style>
       <dsp:txBody>
-        <a:bodyPr spcFirstLastPara="0" vert="horz" wrap="square" lIns="128016" tIns="22860" rIns="128016" bIns="22860" numCol="1" spcCol="1270" anchor="ctr" anchorCtr="0">
+        <a:bodyPr spcFirstLastPara="0" vert="horz" wrap="square" lIns="92456" tIns="16510" rIns="92456" bIns="16510" numCol="1" spcCol="1270" anchor="ctr" anchorCtr="0">
           <a:noAutofit/>
         </a:bodyPr>
         <a:lstStyle/>
         <a:p>
-          <a:pPr marL="0" lvl="0" indent="0" algn="ctr" defTabSz="800100">
+          <a:pPr marL="0" lvl="0" indent="0" algn="ctr" defTabSz="577850">
             <a:lnSpc>
               <a:spcPct val="90000"/>
             </a:lnSpc>
@@ -1807,16 +1884,38 @@
             <a:buNone/>
           </a:pPr>
           <a:r>
-            <a:rPr lang="en-US" sz="1800" kern="1200" dirty="0"/>
-            <a:t>	</a:t>
+            <a:rPr lang="en-GB" sz="1300" kern="1200" dirty="0"/>
+            <a:t>Interactive different people with different skills</a:t>
+          </a:r>
+        </a:p>
+        <a:p>
+          <a:pPr marL="0" lvl="0" indent="0" algn="ctr" defTabSz="577850">
+            <a:lnSpc>
+              <a:spcPct val="90000"/>
+            </a:lnSpc>
+            <a:spcBef>
+              <a:spcPct val="0"/>
+            </a:spcBef>
+            <a:spcAft>
+              <a:spcPct val="35000"/>
+            </a:spcAft>
+            <a:buNone/>
+          </a:pPr>
+          <a:r>
+            <a:rPr lang="en-GB" sz="1300" kern="1200" dirty="0"/>
+            <a:t>1</a:t>
           </a:r>
           <a:r>
-            <a:rPr lang="en-US" sz="1800" kern="1200" dirty="0" err="1"/>
-            <a:t>Github</a:t>
+            <a:rPr lang="en-GB" sz="1300" kern="1200" baseline="30000" dirty="0"/>
+            <a:t>st</a:t>
           </a:r>
           <a:r>
-            <a:rPr lang="en-US" sz="1800" kern="1200" dirty="0"/>
-            <a:t> Branch merging/ approval	</a:t>
+            <a:rPr lang="en-GB" sz="1300" kern="1200" dirty="0"/>
+            <a:t> project  </a:t>
+          </a:r>
+          <a:r>
+            <a:rPr lang="en-US" sz="1300" kern="1200" dirty="0"/>
+            <a:t>	</a:t>
           </a:r>
         </a:p>
       </dsp:txBody>
@@ -1877,12 +1976,12 @@
         <a:fontRef idx="minor"/>
       </dsp:style>
       <dsp:txBody>
-        <a:bodyPr spcFirstLastPara="0" vert="horz" wrap="square" lIns="128016" tIns="22860" rIns="128016" bIns="22860" numCol="1" spcCol="1270" anchor="ctr" anchorCtr="0">
+        <a:bodyPr spcFirstLastPara="0" vert="horz" wrap="square" lIns="92456" tIns="16510" rIns="92456" bIns="16510" numCol="1" spcCol="1270" anchor="ctr" anchorCtr="0">
           <a:noAutofit/>
         </a:bodyPr>
         <a:lstStyle/>
         <a:p>
-          <a:pPr marL="0" lvl="0" indent="0" algn="ctr" defTabSz="800100">
+          <a:pPr marL="0" lvl="0" indent="0" algn="ctr" defTabSz="577850">
             <a:lnSpc>
               <a:spcPct val="90000"/>
             </a:lnSpc>
@@ -1894,7 +1993,14 @@
             </a:spcAft>
             <a:buNone/>
           </a:pPr>
-          <a:endParaRPr lang="en-US" sz="1800" kern="1200" dirty="0"/>
+          <a:r>
+            <a:rPr lang="en-US" sz="1300" kern="1200" dirty="0" err="1"/>
+            <a:t>Github</a:t>
+          </a:r>
+          <a:r>
+            <a:rPr lang="en-US" sz="1300" kern="1200" dirty="0"/>
+            <a:t> Branch merging/approval</a:t>
+          </a:r>
         </a:p>
       </dsp:txBody>
       <dsp:txXfrm>
@@ -2032,12 +2138,12 @@
         <a:fontRef idx="minor"/>
       </dsp:style>
       <dsp:txBody>
-        <a:bodyPr spcFirstLastPara="0" vert="horz" wrap="square" lIns="128016" tIns="22860" rIns="128016" bIns="22860" numCol="1" spcCol="1270" anchor="ctr" anchorCtr="0">
+        <a:bodyPr spcFirstLastPara="0" vert="horz" wrap="square" lIns="92456" tIns="16510" rIns="92456" bIns="16510" numCol="1" spcCol="1270" anchor="ctr" anchorCtr="0">
           <a:noAutofit/>
         </a:bodyPr>
         <a:lstStyle/>
         <a:p>
-          <a:pPr marL="0" lvl="0" indent="0" algn="ctr" defTabSz="800100">
+          <a:pPr marL="0" lvl="0" indent="0" algn="ctr" defTabSz="577850">
             <a:lnSpc>
               <a:spcPct val="90000"/>
             </a:lnSpc>
@@ -2050,12 +2156,27 @@
             <a:buNone/>
           </a:pPr>
           <a:r>
-            <a:rPr lang="en-US" sz="1800" kern="1200" dirty="0" err="1"/>
+            <a:rPr lang="en-US" sz="1300" kern="1200" dirty="0" err="1"/>
             <a:t>Lihour</a:t>
           </a:r>
+          <a:endParaRPr lang="en-US" sz="1300" kern="1200" dirty="0"/>
+        </a:p>
+        <a:p>
+          <a:pPr marL="0" lvl="0" indent="0" algn="ctr" defTabSz="577850">
+            <a:lnSpc>
+              <a:spcPct val="90000"/>
+            </a:lnSpc>
+            <a:spcBef>
+              <a:spcPct val="0"/>
+            </a:spcBef>
+            <a:spcAft>
+              <a:spcPct val="35000"/>
+            </a:spcAft>
+            <a:buNone/>
+          </a:pPr>
           <a:r>
-            <a:rPr lang="en-US" sz="1800" kern="1200" dirty="0"/>
-            <a:t> – HTML Body, Trello Board</a:t>
+            <a:rPr lang="en-US" sz="1300" kern="1200" dirty="0"/>
+            <a:t>HTML Body and Trello Board</a:t>
           </a:r>
         </a:p>
       </dsp:txBody>
@@ -2116,12 +2237,12 @@
         <a:fontRef idx="minor"/>
       </dsp:style>
       <dsp:txBody>
-        <a:bodyPr spcFirstLastPara="0" vert="horz" wrap="square" lIns="128016" tIns="22860" rIns="128016" bIns="22860" numCol="1" spcCol="1270" anchor="ctr" anchorCtr="0">
+        <a:bodyPr spcFirstLastPara="0" vert="horz" wrap="square" lIns="92456" tIns="16510" rIns="92456" bIns="16510" numCol="1" spcCol="1270" anchor="ctr" anchorCtr="0">
           <a:noAutofit/>
         </a:bodyPr>
         <a:lstStyle/>
         <a:p>
-          <a:pPr marL="0" lvl="0" indent="0" algn="ctr" defTabSz="800100">
+          <a:pPr marL="0" lvl="0" indent="0" algn="ctr" defTabSz="577850">
             <a:lnSpc>
               <a:spcPct val="90000"/>
             </a:lnSpc>
@@ -2134,8 +2255,26 @@
             <a:buNone/>
           </a:pPr>
           <a:r>
-            <a:rPr lang="en-US" sz="1800" kern="1200" dirty="0"/>
-            <a:t>Yvette – Resources and Hygiene Pages</a:t>
+            <a:rPr lang="en-US" sz="1300" kern="1200" dirty="0"/>
+            <a:t>Yvette</a:t>
+          </a:r>
+        </a:p>
+        <a:p>
+          <a:pPr marL="0" lvl="0" indent="0" algn="ctr" defTabSz="577850">
+            <a:lnSpc>
+              <a:spcPct val="90000"/>
+            </a:lnSpc>
+            <a:spcBef>
+              <a:spcPct val="0"/>
+            </a:spcBef>
+            <a:spcAft>
+              <a:spcPct val="35000"/>
+            </a:spcAft>
+            <a:buNone/>
+          </a:pPr>
+          <a:r>
+            <a:rPr lang="en-US" sz="1300" kern="1200" dirty="0"/>
+            <a:t>Resources and Hygiene Pages</a:t>
           </a:r>
         </a:p>
       </dsp:txBody>
@@ -2196,12 +2335,12 @@
         <a:fontRef idx="minor"/>
       </dsp:style>
       <dsp:txBody>
-        <a:bodyPr spcFirstLastPara="0" vert="horz" wrap="square" lIns="128016" tIns="22860" rIns="128016" bIns="22860" numCol="1" spcCol="1270" anchor="ctr" anchorCtr="0">
+        <a:bodyPr spcFirstLastPara="0" vert="horz" wrap="square" lIns="92456" tIns="16510" rIns="92456" bIns="16510" numCol="1" spcCol="1270" anchor="ctr" anchorCtr="0">
           <a:noAutofit/>
         </a:bodyPr>
         <a:lstStyle/>
         <a:p>
-          <a:pPr marL="0" lvl="0" indent="0" algn="ctr" defTabSz="800100">
+          <a:pPr marL="0" lvl="0" indent="0" algn="ctr" defTabSz="577850">
             <a:lnSpc>
               <a:spcPct val="90000"/>
             </a:lnSpc>
@@ -2214,24 +2353,30 @@
             <a:buNone/>
           </a:pPr>
           <a:r>
-            <a:rPr lang="en-AU" sz="1800" kern="1200" dirty="0"/>
-            <a:t>Lucas - </a:t>
+            <a:rPr lang="en-AU" sz="1300" kern="1200" dirty="0"/>
+            <a:t>Lucas</a:t>
           </a:r>
+        </a:p>
+        <a:p>
+          <a:pPr marL="0" lvl="0" indent="0" algn="ctr" defTabSz="577850">
+            <a:lnSpc>
+              <a:spcPct val="90000"/>
+            </a:lnSpc>
+            <a:spcBef>
+              <a:spcPct val="0"/>
+            </a:spcBef>
+            <a:spcAft>
+              <a:spcPct val="35000"/>
+            </a:spcAft>
+            <a:buNone/>
+          </a:pPr>
           <a:r>
-            <a:rPr lang="en-AU" sz="1800" kern="1200" dirty="0" err="1"/>
+            <a:rPr lang="en-AU" sz="1300" kern="1200" dirty="0" err="1"/>
             <a:t>Github</a:t>
           </a:r>
           <a:r>
-            <a:rPr lang="en-AU" sz="1800" kern="1200" dirty="0"/>
-            <a:t> Project Hosting, </a:t>
-          </a:r>
-          <a:r>
-            <a:rPr lang="en-AU" sz="1800" kern="1200" dirty="0" err="1"/>
-            <a:t>Javascript</a:t>
-          </a:r>
-          <a:r>
-            <a:rPr lang="en-AU" sz="1800" kern="1200" dirty="0"/>
-            <a:t>, APIs</a:t>
+            <a:rPr lang="en-AU" sz="1300" kern="1200" dirty="0"/>
+            <a:t> Project Hosting, APIs and JS</a:t>
           </a:r>
         </a:p>
       </dsp:txBody>
@@ -2292,12 +2437,12 @@
         <a:fontRef idx="minor"/>
       </dsp:style>
       <dsp:txBody>
-        <a:bodyPr spcFirstLastPara="0" vert="horz" wrap="square" lIns="128016" tIns="22860" rIns="128016" bIns="22860" numCol="1" spcCol="1270" anchor="ctr" anchorCtr="0">
+        <a:bodyPr spcFirstLastPara="0" vert="horz" wrap="square" lIns="92456" tIns="16510" rIns="92456" bIns="16510" numCol="1" spcCol="1270" anchor="ctr" anchorCtr="0">
           <a:noAutofit/>
         </a:bodyPr>
         <a:lstStyle/>
         <a:p>
-          <a:pPr marL="0" lvl="0" indent="0" algn="ctr" defTabSz="800100">
+          <a:pPr marL="0" lvl="0" indent="0" algn="ctr" defTabSz="577850">
             <a:lnSpc>
               <a:spcPct val="90000"/>
             </a:lnSpc>
@@ -2310,14 +2455,27 @@
             <a:buNone/>
           </a:pPr>
           <a:r>
-            <a:rPr lang="en-AU" sz="1800" kern="1200" dirty="0"/>
-            <a:t>Louise – API and </a:t>
+            <a:rPr lang="en-AU" sz="1300" kern="1200" dirty="0"/>
+            <a:t>Louise</a:t>
           </a:r>
+        </a:p>
+        <a:p>
+          <a:pPr marL="0" lvl="0" indent="0" algn="ctr" defTabSz="577850">
+            <a:lnSpc>
+              <a:spcPct val="90000"/>
+            </a:lnSpc>
+            <a:spcBef>
+              <a:spcPct val="0"/>
+            </a:spcBef>
+            <a:spcAft>
+              <a:spcPct val="35000"/>
+            </a:spcAft>
+            <a:buNone/>
+          </a:pPr>
           <a:r>
-            <a:rPr lang="en-AU" sz="1800" kern="1200" dirty="0" err="1"/>
-            <a:t>Javascript</a:t>
+            <a:rPr lang="en-AU" sz="1300" kern="1200" dirty="0"/>
+            <a:t>APIs and JS</a:t>
           </a:r>
-          <a:endParaRPr lang="en-AU" sz="1800" kern="1200" dirty="0"/>
         </a:p>
       </dsp:txBody>
       <dsp:txXfrm>
@@ -2455,12 +2613,12 @@
         <a:fontRef idx="minor"/>
       </dsp:style>
       <dsp:txBody>
-        <a:bodyPr spcFirstLastPara="0" vert="horz" wrap="square" lIns="128016" tIns="22860" rIns="128016" bIns="22860" numCol="1" spcCol="1270" anchor="ctr" anchorCtr="0">
+        <a:bodyPr spcFirstLastPara="0" vert="horz" wrap="square" lIns="92456" tIns="16510" rIns="92456" bIns="16510" numCol="1" spcCol="1270" anchor="ctr" anchorCtr="0">
           <a:noAutofit/>
         </a:bodyPr>
         <a:lstStyle/>
         <a:p>
-          <a:pPr marL="0" lvl="0" indent="0" algn="ctr" defTabSz="800100">
+          <a:pPr marL="0" lvl="0" indent="0" algn="ctr" defTabSz="577850">
             <a:lnSpc>
               <a:spcPct val="90000"/>
             </a:lnSpc>
@@ -2473,7 +2631,7 @@
             <a:buNone/>
           </a:pPr>
           <a:r>
-            <a:rPr lang="en-US" sz="1800" kern="1200" dirty="0"/>
+            <a:rPr lang="en-US" sz="1300" kern="1200" dirty="0"/>
             <a:t>GitHub</a:t>
           </a:r>
         </a:p>
@@ -2535,12 +2693,12 @@
         <a:fontRef idx="minor"/>
       </dsp:style>
       <dsp:txBody>
-        <a:bodyPr spcFirstLastPara="0" vert="horz" wrap="square" lIns="128016" tIns="22860" rIns="128016" bIns="22860" numCol="1" spcCol="1270" anchor="ctr" anchorCtr="0">
+        <a:bodyPr spcFirstLastPara="0" vert="horz" wrap="square" lIns="92456" tIns="16510" rIns="92456" bIns="16510" numCol="1" spcCol="1270" anchor="ctr" anchorCtr="0">
           <a:noAutofit/>
         </a:bodyPr>
         <a:lstStyle/>
         <a:p>
-          <a:pPr marL="0" lvl="0" indent="0" algn="ctr" defTabSz="800100">
+          <a:pPr marL="0" lvl="0" indent="0" algn="ctr" defTabSz="577850">
             <a:lnSpc>
               <a:spcPct val="90000"/>
             </a:lnSpc>
@@ -2553,7 +2711,7 @@
             <a:buNone/>
           </a:pPr>
           <a:r>
-            <a:rPr lang="en-US" sz="1800" kern="1200" dirty="0"/>
+            <a:rPr lang="en-US" sz="1300" kern="1200" dirty="0"/>
             <a:t>Trello Board</a:t>
           </a:r>
         </a:p>
@@ -2615,12 +2773,12 @@
         <a:fontRef idx="minor"/>
       </dsp:style>
       <dsp:txBody>
-        <a:bodyPr spcFirstLastPara="0" vert="horz" wrap="square" lIns="128016" tIns="22860" rIns="128016" bIns="22860" numCol="1" spcCol="1270" anchor="ctr" anchorCtr="0">
+        <a:bodyPr spcFirstLastPara="0" vert="horz" wrap="square" lIns="92456" tIns="16510" rIns="92456" bIns="16510" numCol="1" spcCol="1270" anchor="ctr" anchorCtr="0">
           <a:noAutofit/>
         </a:bodyPr>
         <a:lstStyle/>
         <a:p>
-          <a:pPr marL="0" lvl="0" indent="0" algn="ctr" defTabSz="800100">
+          <a:pPr marL="0" lvl="0" indent="0" algn="ctr" defTabSz="577850">
             <a:lnSpc>
               <a:spcPct val="90000"/>
             </a:lnSpc>
@@ -2633,7 +2791,7 @@
             <a:buNone/>
           </a:pPr>
           <a:r>
-            <a:rPr lang="en-AU" sz="1800" kern="1200" dirty="0"/>
+            <a:rPr lang="en-AU" sz="1300" kern="1200" dirty="0"/>
             <a:t>Visual Studio Code</a:t>
           </a:r>
         </a:p>
@@ -2643,14 +2801,14 @@
         <a:ext cx="2274897" cy="523419"/>
       </dsp:txXfrm>
     </dsp:sp>
-    <dsp:sp modelId="{A692D0D5-FF53-4DCB-8CD1-FEF274A44F7A}">
+    <dsp:sp modelId="{E30F312F-F146-4DCA-BFE7-89A6122168ED}">
       <dsp:nvSpPr>
         <dsp:cNvPr id="0" name=""/>
         <dsp:cNvSpPr/>
       </dsp:nvSpPr>
       <dsp:spPr>
         <a:xfrm>
-          <a:off x="6797280" y="576063"/>
+          <a:off x="6826080" y="599439"/>
           <a:ext cx="2274897" cy="523419"/>
         </a:xfrm>
         <a:prstGeom prst="rect">
@@ -2695,12 +2853,12 @@
         <a:fontRef idx="minor"/>
       </dsp:style>
       <dsp:txBody>
-        <a:bodyPr spcFirstLastPara="0" vert="horz" wrap="square" lIns="128016" tIns="22860" rIns="128016" bIns="22860" numCol="1" spcCol="1270" anchor="ctr" anchorCtr="0">
+        <a:bodyPr spcFirstLastPara="0" vert="horz" wrap="square" lIns="92456" tIns="16510" rIns="92456" bIns="16510" numCol="1" spcCol="1270" anchor="ctr" anchorCtr="0">
           <a:noAutofit/>
         </a:bodyPr>
         <a:lstStyle/>
         <a:p>
-          <a:pPr marL="0" lvl="0" indent="0" algn="ctr" defTabSz="800100">
+          <a:pPr marL="0" lvl="0" indent="0" algn="ctr" defTabSz="577850">
             <a:lnSpc>
               <a:spcPct val="90000"/>
             </a:lnSpc>
@@ -2713,18 +2871,45 @@
             <a:buNone/>
           </a:pPr>
           <a:r>
-            <a:rPr lang="en-AU" sz="1800" kern="1200" dirty="0" err="1"/>
+            <a:rPr lang="en-AU" sz="1300" kern="1200" dirty="0" err="1"/>
             <a:t>RapidAPI</a:t>
           </a:r>
-          <a:endParaRPr lang="en-AU" sz="1800" kern="1200" dirty="0"/>
+          <a:r>
+            <a:rPr lang="en-AU" sz="1300" kern="1200" dirty="0"/>
+            <a:t>, </a:t>
+          </a:r>
+          <a:r>
+            <a:rPr lang="en-AU" sz="1300" kern="1200" dirty="0" err="1"/>
+            <a:t>Chart.JS</a:t>
+          </a:r>
+          <a:endParaRPr lang="en-AU" sz="1300" kern="1200" dirty="0"/>
+        </a:p>
+        <a:p>
+          <a:pPr marL="0" lvl="0" indent="0" algn="ctr" defTabSz="577850">
+            <a:lnSpc>
+              <a:spcPct val="90000"/>
+            </a:lnSpc>
+            <a:spcBef>
+              <a:spcPct val="0"/>
+            </a:spcBef>
+            <a:spcAft>
+              <a:spcPct val="35000"/>
+            </a:spcAft>
+            <a:buNone/>
+          </a:pPr>
+          <a:r>
+            <a:rPr lang="en-AU" sz="1300" kern="1200" dirty="0" err="1"/>
+            <a:t>GoogleAPI</a:t>
+          </a:r>
+          <a:endParaRPr lang="en-AU" sz="1300" kern="1200" dirty="0"/>
         </a:p>
       </dsp:txBody>
       <dsp:txXfrm>
-        <a:off x="6797280" y="576063"/>
+        <a:off x="6826080" y="599439"/>
         <a:ext cx="2274897" cy="523419"/>
       </dsp:txXfrm>
     </dsp:sp>
-    <dsp:sp modelId="{E30F312F-F146-4DCA-BFE7-89A6122168ED}">
+    <dsp:sp modelId="{C5034386-0A7B-9448-AC3D-A5DD1641BE47}">
       <dsp:nvSpPr>
         <dsp:cNvPr id="0" name=""/>
         <dsp:cNvSpPr/>
@@ -2776,12 +2961,12 @@
         <a:fontRef idx="minor"/>
       </dsp:style>
       <dsp:txBody>
-        <a:bodyPr spcFirstLastPara="0" vert="horz" wrap="square" lIns="128016" tIns="22860" rIns="128016" bIns="22860" numCol="1" spcCol="1270" anchor="ctr" anchorCtr="0">
+        <a:bodyPr spcFirstLastPara="0" vert="horz" wrap="square" lIns="92456" tIns="16510" rIns="92456" bIns="16510" numCol="1" spcCol="1270" anchor="ctr" anchorCtr="0">
           <a:noAutofit/>
         </a:bodyPr>
         <a:lstStyle/>
         <a:p>
-          <a:pPr marL="0" lvl="0" indent="0" algn="ctr" defTabSz="800100">
+          <a:pPr marL="0" lvl="0" indent="0" algn="ctr" defTabSz="577850">
             <a:lnSpc>
               <a:spcPct val="90000"/>
             </a:lnSpc>
@@ -2794,7 +2979,7 @@
             <a:buNone/>
           </a:pPr>
           <a:r>
-            <a:rPr lang="en-AU" sz="1800" kern="1200" dirty="0"/>
+            <a:rPr lang="en-AU" sz="1300" kern="1200" dirty="0"/>
             <a:t>Materialize</a:t>
           </a:r>
         </a:p>
@@ -4277,7 +4462,7 @@
           <a:p>
             <a:fld id="{043B725B-653D-4166-A8E9-72A38A1847CF}" type="datetimeFigureOut">
               <a:rPr lang="en-US"/>
-              <a:t>6/22/2020</a:t>
+              <a:t>6/27/20</a:t>
             </a:fld>
             <a:endParaRPr/>
           </a:p>
@@ -4442,7 +4627,7 @@
           <a:p>
             <a:fld id="{783F64CD-0576-4A9A-BD06-7889D6E60BDC}" type="datetimeFigureOut">
               <a:rPr lang="en-US"/>
-              <a:t>6/22/2020</a:t>
+              <a:t>6/27/20</a:t>
             </a:fld>
             <a:endParaRPr/>
           </a:p>
@@ -5040,7 +5225,7 @@
           <a:p>
             <a:fld id="{37CC0096-1860-4642-9CD2-0079EA5E7CD1}" type="datetimeFigureOut">
               <a:rPr lang="en-US"/>
-              <a:t>6/22/2020</a:t>
+              <a:t>6/27/20</a:t>
             </a:fld>
             <a:endParaRPr/>
           </a:p>
@@ -5289,7 +5474,7 @@
           <a:p>
             <a:fld id="{37CC0096-1860-4642-9CD2-0079EA5E7CD1}" type="datetimeFigureOut">
               <a:rPr lang="en-US"/>
-              <a:t>6/22/2020</a:t>
+              <a:t>6/27/20</a:t>
             </a:fld>
             <a:endParaRPr/>
           </a:p>
@@ -5475,7 +5660,7 @@
           <a:p>
             <a:fld id="{37CC0096-1860-4642-9CD2-0079EA5E7CD1}" type="datetimeFigureOut">
               <a:rPr lang="en-US"/>
-              <a:t>6/22/2020</a:t>
+              <a:t>6/27/20</a:t>
             </a:fld>
             <a:endParaRPr/>
           </a:p>
@@ -6006,7 +6191,7 @@
           <a:p>
             <a:fld id="{37CC0096-1860-4642-9CD2-0079EA5E7CD1}" type="datetimeFigureOut">
               <a:rPr lang="en-US"/>
-              <a:t>6/22/2020</a:t>
+              <a:t>6/27/20</a:t>
             </a:fld>
             <a:endParaRPr/>
           </a:p>
@@ -6458,7 +6643,7 @@
           <a:p>
             <a:fld id="{37CC0096-1860-4642-9CD2-0079EA5E7CD1}" type="datetimeFigureOut">
               <a:rPr lang="en-US"/>
-              <a:t>6/22/2020</a:t>
+              <a:t>6/27/20</a:t>
             </a:fld>
             <a:endParaRPr/>
           </a:p>
@@ -6588,7 +6773,7 @@
           <a:p>
             <a:fld id="{37CC0096-1860-4642-9CD2-0079EA5E7CD1}" type="datetimeFigureOut">
               <a:rPr lang="en-US"/>
-              <a:t>6/22/2020</a:t>
+              <a:t>6/27/20</a:t>
             </a:fld>
             <a:endParaRPr/>
           </a:p>
@@ -6695,7 +6880,7 @@
           <a:p>
             <a:fld id="{37CC0096-1860-4642-9CD2-0079EA5E7CD1}" type="datetimeFigureOut">
               <a:rPr lang="en-US"/>
-              <a:t>6/22/2020</a:t>
+              <a:t>6/27/20</a:t>
             </a:fld>
             <a:endParaRPr/>
           </a:p>
@@ -7684,7 +7869,7 @@
             <a:fld id="{37CC0096-1860-4642-9CD2-0079EA5E7CD1}" type="datetimeFigureOut">
               <a:rPr lang="en-US" smtClean="0"/>
               <a:pPr/>
-              <a:t>6/22/2020</a:t>
+              <a:t>6/27/20</a:t>
             </a:fld>
             <a:endParaRPr lang="en-US" dirty="0"/>
           </a:p>
@@ -8101,6 +8286,25 @@
 <file path=ppt/slides/slide1.xml><?xml version="1.0" encoding="utf-8"?>
 <p:sld xmlns:a="http://schemas.openxmlformats.org/drawingml/2006/main" xmlns:r="http://schemas.openxmlformats.org/officeDocument/2006/relationships" xmlns:p="http://schemas.openxmlformats.org/presentationml/2006/main">
   <p:cSld>
+    <p:bg>
+      <p:bgPr>
+        <a:gradFill flip="none" rotWithShape="1">
+          <a:gsLst>
+            <a:gs pos="31000">
+              <a:srgbClr val="D9D9D9"/>
+            </a:gs>
+            <a:gs pos="100000">
+              <a:schemeClr val="bg1">
+                <a:lumMod val="99000"/>
+              </a:schemeClr>
+            </a:gs>
+          </a:gsLst>
+          <a:lin ang="8100000" scaled="0"/>
+          <a:tileRect/>
+        </a:gradFill>
+        <a:effectLst/>
+      </p:bgPr>
+    </p:bg>
     <p:spTree>
       <p:nvGrpSpPr>
         <p:cNvPr id="1" name=""/>
@@ -8125,7 +8329,12 @@
             <p:ph type="ctrTitle"/>
           </p:nvPr>
         </p:nvSpPr>
-        <p:spPr/>
+        <p:spPr>
+          <a:xfrm>
+            <a:off x="191344" y="1828800"/>
+            <a:ext cx="4098175" cy="3177380"/>
+          </a:xfrm>
+        </p:spPr>
         <p:txBody>
           <a:bodyPr/>
           <a:lstStyle/>
@@ -8147,7 +8356,12 @@
             <p:ph type="subTitle" idx="1"/>
           </p:nvPr>
         </p:nvSpPr>
-        <p:spPr/>
+        <p:spPr>
+          <a:xfrm>
+            <a:off x="191344" y="5181600"/>
+            <a:ext cx="4098175" cy="685800"/>
+          </a:xfrm>
+        </p:spPr>
         <p:txBody>
           <a:bodyPr/>
           <a:lstStyle/>
@@ -8159,6 +8373,42 @@
           </a:p>
         </p:txBody>
       </p:sp>
+      <p:pic>
+        <p:nvPicPr>
+          <p:cNvPr id="8" name="Picture 7">
+            <a:extLst>
+              <a:ext uri="{FF2B5EF4-FFF2-40B4-BE49-F238E27FC236}">
+                <a16:creationId xmlns:a16="http://schemas.microsoft.com/office/drawing/2014/main" id="{A93244DB-F566-364D-8FD5-6A577C885089}"/>
+              </a:ext>
+            </a:extLst>
+          </p:cNvPr>
+          <p:cNvPicPr>
+            <a:picLocks noChangeAspect="1"/>
+          </p:cNvPicPr>
+          <p:nvPr/>
+        </p:nvPicPr>
+        <p:blipFill>
+          <a:blip r:embed="rId2">
+            <a:extLst>
+              <a:ext uri="{28A0092B-C50C-407E-A947-70E740481C1C}">
+                <a14:useLocalDpi xmlns:a14="http://schemas.microsoft.com/office/drawing/2010/main" val="0"/>
+              </a:ext>
+            </a:extLst>
+          </a:blip>
+          <a:stretch>
+            <a:fillRect/>
+          </a:stretch>
+        </p:blipFill>
+        <p:spPr>
+          <a:xfrm rot="20722143">
+            <a:off x="-207501" y="-108529"/>
+            <a:ext cx="3528392" cy="2996474"/>
+          </a:xfrm>
+          <a:prstGeom prst="rect">
+            <a:avLst/>
+          </a:prstGeom>
+        </p:spPr>
+      </p:pic>
     </p:spTree>
     <p:extLst>
       <p:ext uri="{BB962C8B-B14F-4D97-AF65-F5344CB8AC3E}">
@@ -8203,28 +8453,6 @@
       </p:grpSpPr>
       <p:sp>
         <p:nvSpPr>
-          <p:cNvPr id="2" name="Title 1"/>
-          <p:cNvSpPr>
-            <a:spLocks noGrp="1"/>
-          </p:cNvSpPr>
-          <p:nvPr>
-            <p:ph type="title"/>
-          </p:nvPr>
-        </p:nvSpPr>
-        <p:spPr/>
-        <p:txBody>
-          <a:bodyPr/>
-          <a:lstStyle/>
-          <a:p>
-            <a:r>
-              <a:rPr lang="en-US" dirty="0"/>
-              <a:t>Elevator Pitch/ Concept</a:t>
-            </a:r>
-          </a:p>
-        </p:txBody>
-      </p:sp>
-      <p:sp>
-        <p:nvSpPr>
           <p:cNvPr id="3" name="Content Placeholder 2"/>
           <p:cNvSpPr>
             <a:spLocks noGrp="1"/>
@@ -8233,46 +8461,111 @@
             <p:ph idx="1"/>
           </p:nvPr>
         </p:nvSpPr>
-        <p:spPr/>
+        <p:spPr>
+          <a:xfrm>
+            <a:off x="407368" y="1916832"/>
+            <a:ext cx="9144000" cy="4572001"/>
+          </a:xfrm>
+        </p:spPr>
         <p:txBody>
           <a:bodyPr>
             <a:normAutofit fontScale="92500" lnSpcReduction="20000"/>
           </a:bodyPr>
           <a:lstStyle/>
           <a:p>
+            <a:pPr marL="0" indent="0" algn="just">
+              <a:buNone/>
+            </a:pPr>
             <a:r>
               <a:rPr lang="en-US" dirty="0"/>
               <a:t>Create a simple app/site to visually display COVID-19 case numbers around the world</a:t>
             </a:r>
           </a:p>
           <a:p>
+            <a:pPr marL="0" indent="0" algn="just">
+              <a:buNone/>
+            </a:pPr>
+            <a:endParaRPr lang="en-US" dirty="0"/>
+          </a:p>
+          <a:p>
+            <a:pPr lvl="1" algn="just"/>
             <a:r>
               <a:rPr lang="en-US" dirty="0"/>
-              <a:t>Motivation – it is interesting and topical</a:t>
+              <a:t>Motivation – during pandemic time it is important to track and have an integrated platform show the results in easy and simple format;</a:t>
             </a:r>
           </a:p>
           <a:p>
+            <a:pPr lvl="1" algn="just"/>
+            <a:endParaRPr lang="en-US" dirty="0"/>
+          </a:p>
+          <a:p>
+            <a:pPr lvl="1" algn="just"/>
             <a:r>
               <a:rPr lang="en-US" dirty="0"/>
-              <a:t>User – I am someone who has a general interest in knowing which countries have the highest rates of infection today/ I am considering travelling to another country, or in my own country and wish to know up-to-date global statistics.</a:t>
+              <a:t>User – </a:t>
             </a:r>
-          </a:p>
-          <a:p>
+            <a:r>
+              <a:rPr lang="en-US" dirty="0">
+                <a:latin typeface="+mj-lt"/>
+              </a:rPr>
+              <a:t>People with general interest in knowing which countries have the highest rates of infection today,  people may consider travelling to another country, or in my own country and wish to know up-to-date global statistics;</a:t>
+            </a:r>
+          </a:p>
+          <a:p>
+            <a:pPr lvl="1" algn="just"/>
+            <a:endParaRPr lang="en-US" dirty="0">
+              <a:latin typeface="+mj-lt"/>
+            </a:endParaRPr>
+          </a:p>
+          <a:p>
+            <a:pPr lvl="1" algn="just"/>
             <a:r>
               <a:rPr lang="en-US" dirty="0"/>
-              <a:t>Interface a world map API with the statistics API to display which countries have the highest case loads</a:t>
+              <a:t>Integrated interface contain a world map API with the statistics API to display which countries have the highest case loads;</a:t>
             </a:r>
           </a:p>
           <a:p>
+            <a:pPr lvl="1" algn="just"/>
+            <a:endParaRPr lang="en-US" dirty="0"/>
+          </a:p>
+          <a:p>
+            <a:pPr lvl="1" algn="just"/>
             <a:r>
               <a:rPr lang="en-US" dirty="0"/>
-              <a:t>App to be used for general information/travel information by consumers.</a:t>
+              <a:t>Display guidance on where to seek help, how to get Emergency help in each country plus some simple guides on hygiene procedures for COVID-19 and symptoms.</a:t>
             </a:r>
           </a:p>
+        </p:txBody>
+      </p:sp>
+      <p:sp>
+        <p:nvSpPr>
+          <p:cNvPr id="6" name="Title 1">
+            <a:extLst>
+              <a:ext uri="{FF2B5EF4-FFF2-40B4-BE49-F238E27FC236}">
+                <a16:creationId xmlns:a16="http://schemas.microsoft.com/office/drawing/2014/main" id="{741949D2-100A-9E42-95A4-F101E5D822B8}"/>
+              </a:ext>
+            </a:extLst>
+          </p:cNvPr>
+          <p:cNvSpPr>
+            <a:spLocks noGrp="1"/>
+          </p:cNvSpPr>
+          <p:nvPr>
+            <p:ph type="title"/>
+          </p:nvPr>
+        </p:nvSpPr>
+        <p:spPr>
+          <a:xfrm>
+            <a:off x="407368" y="99220"/>
+            <a:ext cx="10058400" cy="1325563"/>
+          </a:xfrm>
+        </p:spPr>
+        <p:txBody>
+          <a:bodyPr/>
+          <a:lstStyle/>
           <a:p>
             <a:r>
               <a:rPr lang="en-US" dirty="0"/>
-              <a:t>App to include some guidance on where to seek help/ how to get Emergency help in each country plus some simple guides on hygiene procedures for COVID-19 and also symptoms.</a:t>
+              <a:t>Concepts</a:t>
             </a:r>
           </a:p>
         </p:txBody>
@@ -8329,7 +8622,12 @@
             <p:ph type="title"/>
           </p:nvPr>
         </p:nvSpPr>
-        <p:spPr/>
+        <p:spPr>
+          <a:xfrm>
+            <a:off x="407368" y="99220"/>
+            <a:ext cx="10058400" cy="1325563"/>
+          </a:xfrm>
+        </p:spPr>
         <p:txBody>
           <a:bodyPr/>
           <a:lstStyle/>
@@ -8351,7 +8649,7 @@
             <p:ph sz="half" idx="2"/>
             <p:extLst>
               <p:ext uri="{D42A27DB-BD31-4B8C-83A1-F6EECF244321}">
-                <p14:modId xmlns:p14="http://schemas.microsoft.com/office/powerpoint/2010/main" val="105460336"/>
+                <p14:modId xmlns:p14="http://schemas.microsoft.com/office/powerpoint/2010/main" val="2577458445"/>
               </p:ext>
             </p:extLst>
           </p:nvPr>
@@ -8425,442 +8723,6 @@
           <a:p>
             <a:r>
               <a:rPr lang="en-US" dirty="0"/>
-              <a:t>COVID-19 desire for data/apps</a:t>
-            </a:r>
-          </a:p>
-        </p:txBody>
-      </p:sp>
-      <p:sp>
-        <p:nvSpPr>
-          <p:cNvPr id="4" name="Content Placeholder 3">
-            <a:extLst>
-              <a:ext uri="{FF2B5EF4-FFF2-40B4-BE49-F238E27FC236}">
-                <a16:creationId xmlns:a16="http://schemas.microsoft.com/office/drawing/2014/main" id="{6E33F7B7-CA5E-4E29-A7DA-E35909156DCF}"/>
-              </a:ext>
-            </a:extLst>
-          </p:cNvPr>
-          <p:cNvSpPr>
-            <a:spLocks noGrp="1"/>
-          </p:cNvSpPr>
-          <p:nvPr>
-            <p:ph idx="1"/>
-          </p:nvPr>
-        </p:nvSpPr>
-        <p:spPr>
-          <a:xfrm>
-            <a:off x="839416" y="1700809"/>
-            <a:ext cx="4536504" cy="4968551"/>
-          </a:xfrm>
-        </p:spPr>
-        <p:txBody>
-          <a:bodyPr>
-            <a:normAutofit lnSpcReduction="10000"/>
-          </a:bodyPr>
-          <a:lstStyle/>
-          <a:p>
-            <a:pPr marL="0" indent="0">
-              <a:buNone/>
-            </a:pPr>
-            <a:r>
-              <a:rPr lang="en-GB" b="1" dirty="0"/>
-              <a:t>High Interest in COVID-19 Data From Software Developers:</a:t>
-            </a:r>
-          </a:p>
-          <a:p>
-            <a:pPr marL="0" indent="0">
-              <a:buNone/>
-            </a:pPr>
-            <a:r>
-              <a:rPr lang="en-AU" dirty="0">
-                <a:hlinkClick r:id="rId2"/>
-              </a:rPr>
-              <a:t>https://rapidapi.com/blog/developers-respond-to-covid-19/</a:t>
-            </a:r>
-            <a:endParaRPr lang="en-GB" dirty="0"/>
-          </a:p>
-          <a:p>
-            <a:r>
-              <a:rPr lang="en-GB" dirty="0"/>
-              <a:t>Developers around the world have expressed increasing interest in coronavirus/COVID-19 APIs. </a:t>
-            </a:r>
-          </a:p>
-          <a:p>
-            <a:r>
-              <a:rPr lang="en-GB" dirty="0"/>
-              <a:t>The trend line for coronavirus/COVID-19 APIs closely resembles the trend line for new subscriptions to these APIs on </a:t>
-            </a:r>
-            <a:r>
-              <a:rPr lang="en-GB" dirty="0" err="1"/>
-              <a:t>RapidAPI</a:t>
-            </a:r>
-            <a:r>
-              <a:rPr lang="en-GB" dirty="0"/>
-              <a:t>.</a:t>
-            </a:r>
-          </a:p>
-          <a:p>
-            <a:endParaRPr lang="en-GB" dirty="0"/>
-          </a:p>
-          <a:p>
-            <a:endParaRPr lang="en-AU" dirty="0"/>
-          </a:p>
-        </p:txBody>
-      </p:sp>
-      <p:pic>
-        <p:nvPicPr>
-          <p:cNvPr id="1026" name="Picture 2">
-            <a:extLst>
-              <a:ext uri="{FF2B5EF4-FFF2-40B4-BE49-F238E27FC236}">
-                <a16:creationId xmlns:a16="http://schemas.microsoft.com/office/drawing/2014/main" id="{70E3A479-112D-46F8-B0EB-3363168DAE3D}"/>
-              </a:ext>
-            </a:extLst>
-          </p:cNvPr>
-          <p:cNvPicPr>
-            <a:picLocks noChangeAspect="1" noChangeArrowheads="1"/>
-          </p:cNvPicPr>
-          <p:nvPr/>
-        </p:nvPicPr>
-        <p:blipFill>
-          <a:blip r:embed="rId3">
-            <a:extLst>
-              <a:ext uri="{28A0092B-C50C-407E-A947-70E740481C1C}">
-                <a14:useLocalDpi xmlns:a14="http://schemas.microsoft.com/office/drawing/2010/main" val="0"/>
-              </a:ext>
-            </a:extLst>
-          </a:blip>
-          <a:srcRect/>
-          <a:stretch>
-            <a:fillRect/>
-          </a:stretch>
-        </p:blipFill>
-        <p:spPr bwMode="auto">
-          <a:xfrm>
-            <a:off x="5447929" y="2132856"/>
-            <a:ext cx="6229968" cy="3816424"/>
-          </a:xfrm>
-          <a:prstGeom prst="rect">
-            <a:avLst/>
-          </a:prstGeom>
-          <a:noFill/>
-          <a:extLst>
-            <a:ext uri="{909E8E84-426E-40DD-AFC4-6F175D3DCCD1}">
-              <a14:hiddenFill xmlns:a14="http://schemas.microsoft.com/office/drawing/2010/main">
-                <a:solidFill>
-                  <a:srgbClr val="FFFFFF"/>
-                </a:solidFill>
-              </a14:hiddenFill>
-            </a:ext>
-          </a:extLst>
-        </p:spPr>
-      </p:pic>
-    </p:spTree>
-    <p:extLst>
-      <p:ext uri="{BB962C8B-B14F-4D97-AF65-F5344CB8AC3E}">
-        <p14:creationId xmlns:p14="http://schemas.microsoft.com/office/powerpoint/2010/main" val="1928620899"/>
-      </p:ext>
-    </p:extLst>
-  </p:cSld>
-  <p:clrMapOvr>
-    <a:masterClrMapping/>
-  </p:clrMapOvr>
-  <mc:AlternateContent xmlns:mc="http://schemas.openxmlformats.org/markup-compatibility/2006" xmlns:p14="http://schemas.microsoft.com/office/powerpoint/2010/main">
-    <mc:Choice Requires="p14">
-      <p:transition spd="med" p14:dur="700">
-        <p:fade/>
-      </p:transition>
-    </mc:Choice>
-    <mc:Fallback xmlns="">
-      <p:transition spd="med">
-        <p:fade/>
-      </p:transition>
-    </mc:Fallback>
-  </mc:AlternateContent>
-</p:sld>
-</file>
-
-<file path=ppt/slides/slide5.xml><?xml version="1.0" encoding="utf-8"?>
-<p:sld xmlns:a="http://schemas.openxmlformats.org/drawingml/2006/main" xmlns:r="http://schemas.openxmlformats.org/officeDocument/2006/relationships" xmlns:p="http://schemas.openxmlformats.org/presentationml/2006/main">
-  <p:cSld>
-    <p:spTree>
-      <p:nvGrpSpPr>
-        <p:cNvPr id="1" name=""/>
-        <p:cNvGrpSpPr/>
-        <p:nvPr/>
-      </p:nvGrpSpPr>
-      <p:grpSpPr>
-        <a:xfrm>
-          <a:off x="0" y="0"/>
-          <a:ext cx="0" cy="0"/>
-          <a:chOff x="0" y="0"/>
-          <a:chExt cx="0" cy="0"/>
-        </a:xfrm>
-      </p:grpSpPr>
-      <p:sp>
-        <p:nvSpPr>
-          <p:cNvPr id="2" name="Title 1"/>
-          <p:cNvSpPr>
-            <a:spLocks noGrp="1"/>
-          </p:cNvSpPr>
-          <p:nvPr>
-            <p:ph type="title"/>
-          </p:nvPr>
-        </p:nvSpPr>
-        <p:spPr/>
-        <p:txBody>
-          <a:bodyPr/>
-          <a:lstStyle/>
-          <a:p>
-            <a:r>
-              <a:rPr lang="en-US" dirty="0"/>
-              <a:t>Demo</a:t>
-            </a:r>
-          </a:p>
-        </p:txBody>
-      </p:sp>
-      <p:sp>
-        <p:nvSpPr>
-          <p:cNvPr id="3" name="Text Placeholder 2"/>
-          <p:cNvSpPr>
-            <a:spLocks noGrp="1"/>
-          </p:cNvSpPr>
-          <p:nvPr>
-            <p:ph type="body" idx="1"/>
-          </p:nvPr>
-        </p:nvSpPr>
-        <p:spPr/>
-        <p:txBody>
-          <a:bodyPr/>
-          <a:lstStyle/>
-          <a:p>
-            <a:r>
-              <a:rPr lang="en-US" dirty="0"/>
-              <a:t>… Directions for future development</a:t>
-            </a:r>
-          </a:p>
-        </p:txBody>
-      </p:sp>
-    </p:spTree>
-    <p:extLst>
-      <p:ext uri="{BB962C8B-B14F-4D97-AF65-F5344CB8AC3E}">
-        <p14:creationId xmlns:p14="http://schemas.microsoft.com/office/powerpoint/2010/main" val="3537718460"/>
-      </p:ext>
-    </p:extLst>
-  </p:cSld>
-  <p:clrMapOvr>
-    <a:masterClrMapping/>
-  </p:clrMapOvr>
-  <mc:AlternateContent xmlns:mc="http://schemas.openxmlformats.org/markup-compatibility/2006" xmlns:p14="http://schemas.microsoft.com/office/powerpoint/2010/main">
-    <mc:Choice Requires="p14">
-      <p:transition spd="med" p14:dur="700">
-        <p:fade/>
-      </p:transition>
-    </mc:Choice>
-    <mc:Fallback xmlns="">
-      <p:transition spd="med">
-        <p:fade/>
-      </p:transition>
-    </mc:Fallback>
-  </mc:AlternateContent>
-</p:sld>
-</file>
-
-<file path=ppt/slides/slide6.xml><?xml version="1.0" encoding="utf-8"?>
-<p:sld xmlns:a="http://schemas.openxmlformats.org/drawingml/2006/main" xmlns:r="http://schemas.openxmlformats.org/officeDocument/2006/relationships" xmlns:p="http://schemas.openxmlformats.org/presentationml/2006/main">
-  <p:cSld>
-    <p:spTree>
-      <p:nvGrpSpPr>
-        <p:cNvPr id="1" name=""/>
-        <p:cNvGrpSpPr/>
-        <p:nvPr/>
-      </p:nvGrpSpPr>
-      <p:grpSpPr>
-        <a:xfrm>
-          <a:off x="0" y="0"/>
-          <a:ext cx="0" cy="0"/>
-          <a:chOff x="0" y="0"/>
-          <a:chExt cx="0" cy="0"/>
-        </a:xfrm>
-      </p:grpSpPr>
-      <p:sp>
-        <p:nvSpPr>
-          <p:cNvPr id="2" name="Title 1"/>
-          <p:cNvSpPr>
-            <a:spLocks noGrp="1"/>
-          </p:cNvSpPr>
-          <p:nvPr>
-            <p:ph type="title"/>
-          </p:nvPr>
-        </p:nvSpPr>
-        <p:spPr/>
-        <p:txBody>
-          <a:bodyPr/>
-          <a:lstStyle/>
-          <a:p>
-            <a:r>
-              <a:rPr lang="en-US" dirty="0"/>
-              <a:t>Demo</a:t>
-            </a:r>
-          </a:p>
-        </p:txBody>
-      </p:sp>
-      <p:sp>
-        <p:nvSpPr>
-          <p:cNvPr id="3" name="Text Placeholder 2"/>
-          <p:cNvSpPr>
-            <a:spLocks noGrp="1"/>
-          </p:cNvSpPr>
-          <p:nvPr>
-            <p:ph type="body" idx="1"/>
-          </p:nvPr>
-        </p:nvSpPr>
-        <p:spPr/>
-        <p:txBody>
-          <a:bodyPr/>
-          <a:lstStyle/>
-          <a:p>
-            <a:r>
-              <a:rPr lang="en-US" dirty="0" err="1"/>
-              <a:t>Github</a:t>
-            </a:r>
-            <a:r>
-              <a:rPr lang="en-US" dirty="0"/>
-              <a:t> Project	</a:t>
-            </a:r>
-          </a:p>
-        </p:txBody>
-      </p:sp>
-      <p:sp>
-        <p:nvSpPr>
-          <p:cNvPr id="4" name="Content Placeholder 3"/>
-          <p:cNvSpPr>
-            <a:spLocks noGrp="1"/>
-          </p:cNvSpPr>
-          <p:nvPr>
-            <p:ph sz="half" idx="2"/>
-          </p:nvPr>
-        </p:nvSpPr>
-        <p:spPr/>
-        <p:txBody>
-          <a:bodyPr/>
-          <a:lstStyle/>
-          <a:p>
-            <a:r>
-              <a:rPr lang="en-AU" dirty="0">
-                <a:hlinkClick r:id="rId2"/>
-              </a:rPr>
-              <a:t>https://github.com/ldipaola/bootcamp-project-1</a:t>
-            </a:r>
-            <a:endParaRPr lang="en-US" dirty="0"/>
-          </a:p>
-        </p:txBody>
-      </p:sp>
-      <p:sp>
-        <p:nvSpPr>
-          <p:cNvPr id="5" name="Text Placeholder 4"/>
-          <p:cNvSpPr>
-            <a:spLocks noGrp="1"/>
-          </p:cNvSpPr>
-          <p:nvPr>
-            <p:ph type="body" sz="quarter" idx="3"/>
-          </p:nvPr>
-        </p:nvSpPr>
-        <p:spPr/>
-        <p:txBody>
-          <a:bodyPr/>
-          <a:lstStyle/>
-          <a:p>
-            <a:r>
-              <a:rPr lang="en-US" dirty="0" err="1"/>
-              <a:t>Github</a:t>
-            </a:r>
-            <a:r>
-              <a:rPr lang="en-US" dirty="0"/>
-              <a:t> Webpage</a:t>
-            </a:r>
-          </a:p>
-        </p:txBody>
-      </p:sp>
-      <p:sp>
-        <p:nvSpPr>
-          <p:cNvPr id="6" name="Content Placeholder 5"/>
-          <p:cNvSpPr>
-            <a:spLocks noGrp="1"/>
-          </p:cNvSpPr>
-          <p:nvPr>
-            <p:ph sz="quarter" idx="4"/>
-          </p:nvPr>
-        </p:nvSpPr>
-        <p:spPr/>
-        <p:txBody>
-          <a:bodyPr/>
-          <a:lstStyle/>
-          <a:p>
-            <a:r>
-              <a:rPr lang="en-US" dirty="0"/>
-              <a:t>Not yet online</a:t>
-            </a:r>
-          </a:p>
-        </p:txBody>
-      </p:sp>
-    </p:spTree>
-    <p:extLst>
-      <p:ext uri="{BB962C8B-B14F-4D97-AF65-F5344CB8AC3E}">
-        <p14:creationId xmlns:p14="http://schemas.microsoft.com/office/powerpoint/2010/main" val="2637673684"/>
-      </p:ext>
-    </p:extLst>
-  </p:cSld>
-  <p:clrMapOvr>
-    <a:masterClrMapping/>
-  </p:clrMapOvr>
-  <mc:AlternateContent xmlns:mc="http://schemas.openxmlformats.org/markup-compatibility/2006" xmlns:p14="http://schemas.microsoft.com/office/powerpoint/2010/main">
-    <mc:Choice Requires="p14">
-      <p:transition spd="med" p14:dur="700">
-        <p:fade/>
-      </p:transition>
-    </mc:Choice>
-    <mc:Fallback xmlns="">
-      <p:transition spd="med">
-        <p:fade/>
-      </p:transition>
-    </mc:Fallback>
-  </mc:AlternateContent>
-</p:sld>
-</file>
-
-<file path=ppt/slides/slide7.xml><?xml version="1.0" encoding="utf-8"?>
-<p:sld xmlns:a="http://schemas.openxmlformats.org/drawingml/2006/main" xmlns:r="http://schemas.openxmlformats.org/officeDocument/2006/relationships" xmlns:p="http://schemas.openxmlformats.org/presentationml/2006/main">
-  <p:cSld>
-    <p:spTree>
-      <p:nvGrpSpPr>
-        <p:cNvPr id="1" name=""/>
-        <p:cNvGrpSpPr/>
-        <p:nvPr/>
-      </p:nvGrpSpPr>
-      <p:grpSpPr>
-        <a:xfrm>
-          <a:off x="0" y="0"/>
-          <a:ext cx="0" cy="0"/>
-          <a:chOff x="0" y="0"/>
-          <a:chExt cx="0" cy="0"/>
-        </a:xfrm>
-      </p:grpSpPr>
-      <p:sp>
-        <p:nvSpPr>
-          <p:cNvPr id="2" name="Title 1"/>
-          <p:cNvSpPr>
-            <a:spLocks noGrp="1"/>
-          </p:cNvSpPr>
-          <p:nvPr>
-            <p:ph type="title"/>
-          </p:nvPr>
-        </p:nvSpPr>
-        <p:spPr/>
-        <p:txBody>
-          <a:bodyPr/>
-          <a:lstStyle/>
-          <a:p>
-            <a:r>
-              <a:rPr lang="en-US" dirty="0"/>
               <a:t>Directions for Future Development</a:t>
             </a:r>
           </a:p>
@@ -8975,6 +8837,274 @@
     <p:extLst>
       <p:ext uri="{BB962C8B-B14F-4D97-AF65-F5344CB8AC3E}">
         <p14:creationId xmlns:p14="http://schemas.microsoft.com/office/powerpoint/2010/main" val="2738627701"/>
+      </p:ext>
+    </p:extLst>
+  </p:cSld>
+  <p:clrMapOvr>
+    <a:masterClrMapping/>
+  </p:clrMapOvr>
+  <mc:AlternateContent xmlns:mc="http://schemas.openxmlformats.org/markup-compatibility/2006" xmlns:p14="http://schemas.microsoft.com/office/powerpoint/2010/main">
+    <mc:Choice Requires="p14">
+      <p:transition spd="med" p14:dur="700">
+        <p:fade/>
+      </p:transition>
+    </mc:Choice>
+    <mc:Fallback xmlns="">
+      <p:transition spd="med">
+        <p:fade/>
+      </p:transition>
+    </mc:Fallback>
+  </mc:AlternateContent>
+</p:sld>
+</file>
+
+<file path=ppt/slides/slide5.xml><?xml version="1.0" encoding="utf-8"?>
+<p:sld xmlns:a="http://schemas.openxmlformats.org/drawingml/2006/main" xmlns:r="http://schemas.openxmlformats.org/officeDocument/2006/relationships" xmlns:p="http://schemas.openxmlformats.org/presentationml/2006/main">
+  <p:cSld>
+    <p:spTree>
+      <p:nvGrpSpPr>
+        <p:cNvPr id="1" name=""/>
+        <p:cNvGrpSpPr/>
+        <p:nvPr/>
+      </p:nvGrpSpPr>
+      <p:grpSpPr>
+        <a:xfrm>
+          <a:off x="0" y="0"/>
+          <a:ext cx="0" cy="0"/>
+          <a:chOff x="0" y="0"/>
+          <a:chExt cx="0" cy="0"/>
+        </a:xfrm>
+      </p:grpSpPr>
+      <p:sp>
+        <p:nvSpPr>
+          <p:cNvPr id="2" name="Title 1"/>
+          <p:cNvSpPr>
+            <a:spLocks noGrp="1"/>
+          </p:cNvSpPr>
+          <p:nvPr>
+            <p:ph type="title"/>
+          </p:nvPr>
+        </p:nvSpPr>
+        <p:spPr>
+          <a:xfrm>
+            <a:off x="983432" y="620688"/>
+            <a:ext cx="7772400" cy="3177380"/>
+          </a:xfrm>
+        </p:spPr>
+        <p:txBody>
+          <a:bodyPr/>
+          <a:lstStyle/>
+          <a:p>
+            <a:r>
+              <a:rPr lang="en-US" dirty="0"/>
+              <a:t>Demo</a:t>
+            </a:r>
+          </a:p>
+        </p:txBody>
+      </p:sp>
+      <p:sp>
+        <p:nvSpPr>
+          <p:cNvPr id="5" name="Text Placeholder 4">
+            <a:extLst>
+              <a:ext uri="{FF2B5EF4-FFF2-40B4-BE49-F238E27FC236}">
+                <a16:creationId xmlns:a16="http://schemas.microsoft.com/office/drawing/2014/main" id="{A5B2EA03-D5FF-4D4E-A278-7EAE92BCE635}"/>
+              </a:ext>
+            </a:extLst>
+          </p:cNvPr>
+          <p:cNvSpPr>
+            <a:spLocks noGrp="1"/>
+          </p:cNvSpPr>
+          <p:nvPr>
+            <p:ph type="body" idx="1"/>
+          </p:nvPr>
+        </p:nvSpPr>
+        <p:spPr/>
+        <p:txBody>
+          <a:bodyPr/>
+          <a:lstStyle/>
+          <a:p>
+            <a:endParaRPr lang="en-AU"/>
+          </a:p>
+        </p:txBody>
+      </p:sp>
+    </p:spTree>
+    <p:extLst>
+      <p:ext uri="{BB962C8B-B14F-4D97-AF65-F5344CB8AC3E}">
+        <p14:creationId xmlns:p14="http://schemas.microsoft.com/office/powerpoint/2010/main" val="3537718460"/>
+      </p:ext>
+    </p:extLst>
+  </p:cSld>
+  <p:clrMapOvr>
+    <a:masterClrMapping/>
+  </p:clrMapOvr>
+  <mc:AlternateContent xmlns:mc="http://schemas.openxmlformats.org/markup-compatibility/2006" xmlns:p14="http://schemas.microsoft.com/office/powerpoint/2010/main">
+    <mc:Choice Requires="p14">
+      <p:transition spd="med" p14:dur="700">
+        <p:fade/>
+      </p:transition>
+    </mc:Choice>
+    <mc:Fallback xmlns="">
+      <p:transition spd="med">
+        <p:fade/>
+      </p:transition>
+    </mc:Fallback>
+  </mc:AlternateContent>
+</p:sld>
+</file>
+
+<file path=ppt/slides/slide6.xml><?xml version="1.0" encoding="utf-8"?>
+<p:sld xmlns:a="http://schemas.openxmlformats.org/drawingml/2006/main" xmlns:r="http://schemas.openxmlformats.org/officeDocument/2006/relationships" xmlns:p="http://schemas.openxmlformats.org/presentationml/2006/main">
+  <p:cSld>
+    <p:spTree>
+      <p:nvGrpSpPr>
+        <p:cNvPr id="1" name=""/>
+        <p:cNvGrpSpPr/>
+        <p:nvPr/>
+      </p:nvGrpSpPr>
+      <p:grpSpPr>
+        <a:xfrm>
+          <a:off x="0" y="0"/>
+          <a:ext cx="0" cy="0"/>
+          <a:chOff x="0" y="0"/>
+          <a:chExt cx="0" cy="0"/>
+        </a:xfrm>
+      </p:grpSpPr>
+      <p:sp>
+        <p:nvSpPr>
+          <p:cNvPr id="2" name="Title 1"/>
+          <p:cNvSpPr>
+            <a:spLocks noGrp="1"/>
+          </p:cNvSpPr>
+          <p:nvPr>
+            <p:ph type="title"/>
+          </p:nvPr>
+        </p:nvSpPr>
+        <p:spPr/>
+        <p:txBody>
+          <a:bodyPr/>
+          <a:lstStyle/>
+          <a:p>
+            <a:r>
+              <a:rPr lang="en-US" dirty="0"/>
+              <a:t>Links</a:t>
+            </a:r>
+          </a:p>
+        </p:txBody>
+      </p:sp>
+      <p:sp>
+        <p:nvSpPr>
+          <p:cNvPr id="3" name="Text Placeholder 2"/>
+          <p:cNvSpPr>
+            <a:spLocks noGrp="1"/>
+          </p:cNvSpPr>
+          <p:nvPr>
+            <p:ph type="body" idx="1"/>
+          </p:nvPr>
+        </p:nvSpPr>
+        <p:spPr/>
+        <p:txBody>
+          <a:bodyPr/>
+          <a:lstStyle/>
+          <a:p>
+            <a:r>
+              <a:rPr lang="en-US" dirty="0" err="1"/>
+              <a:t>Github</a:t>
+            </a:r>
+            <a:r>
+              <a:rPr lang="en-US" dirty="0"/>
+              <a:t> Project	</a:t>
+            </a:r>
+          </a:p>
+        </p:txBody>
+      </p:sp>
+      <p:sp>
+        <p:nvSpPr>
+          <p:cNvPr id="4" name="Content Placeholder 3"/>
+          <p:cNvSpPr>
+            <a:spLocks noGrp="1"/>
+          </p:cNvSpPr>
+          <p:nvPr>
+            <p:ph sz="half" idx="2"/>
+          </p:nvPr>
+        </p:nvSpPr>
+        <p:spPr/>
+        <p:txBody>
+          <a:bodyPr/>
+          <a:lstStyle/>
+          <a:p>
+            <a:r>
+              <a:rPr lang="en-AU" dirty="0">
+                <a:hlinkClick r:id="rId2"/>
+              </a:rPr>
+              <a:t>https://github.com/ldipaola/bootcamp-project-1</a:t>
+            </a:r>
+            <a:endParaRPr lang="en-US" dirty="0"/>
+          </a:p>
+        </p:txBody>
+      </p:sp>
+      <p:sp>
+        <p:nvSpPr>
+          <p:cNvPr id="5" name="Text Placeholder 4"/>
+          <p:cNvSpPr>
+            <a:spLocks noGrp="1"/>
+          </p:cNvSpPr>
+          <p:nvPr>
+            <p:ph type="body" sz="quarter" idx="3"/>
+          </p:nvPr>
+        </p:nvSpPr>
+        <p:spPr/>
+        <p:txBody>
+          <a:bodyPr/>
+          <a:lstStyle/>
+          <a:p>
+            <a:r>
+              <a:rPr lang="en-US" dirty="0" err="1"/>
+              <a:t>Github</a:t>
+            </a:r>
+            <a:r>
+              <a:rPr lang="en-US" dirty="0"/>
+              <a:t> Webpage</a:t>
+            </a:r>
+          </a:p>
+        </p:txBody>
+      </p:sp>
+      <p:sp>
+        <p:nvSpPr>
+          <p:cNvPr id="6" name="Content Placeholder 5"/>
+          <p:cNvSpPr>
+            <a:spLocks noGrp="1"/>
+          </p:cNvSpPr>
+          <p:nvPr>
+            <p:ph sz="quarter" idx="4"/>
+          </p:nvPr>
+        </p:nvSpPr>
+        <p:spPr>
+          <a:xfrm>
+            <a:off x="6324600" y="2590799"/>
+            <a:ext cx="4800600" cy="1198241"/>
+          </a:xfrm>
+        </p:spPr>
+        <p:txBody>
+          <a:bodyPr/>
+          <a:lstStyle/>
+          <a:p>
+            <a:r>
+              <a:rPr lang="en-AU" dirty="0">
+                <a:hlinkClick r:id="rId3"/>
+              </a:rPr>
+              <a:t>https://ldipaola.github.io/bootcamp-project-1/</a:t>
+            </a:r>
+            <a:endParaRPr lang="en-AU" dirty="0"/>
+          </a:p>
+          <a:p>
+            <a:endParaRPr lang="en-US" dirty="0"/>
+          </a:p>
+        </p:txBody>
+      </p:sp>
+    </p:spTree>
+    <p:extLst>
+      <p:ext uri="{BB962C8B-B14F-4D97-AF65-F5344CB8AC3E}">
+        <p14:creationId xmlns:p14="http://schemas.microsoft.com/office/powerpoint/2010/main" val="2637673684"/>
       </p:ext>
     </p:extLst>
   </p:cSld>
